--- a/ETL Process Presentation.pptx
+++ b/ETL Process Presentation.pptx
@@ -269,6 +269,9 @@
     </a:lvl9pPr>
   </p:defaultTextStyle>
   <p:extLst>
+    <p:ext uri="{EFAFB233-063F-42B5-8137-9DF3F51BA10A}">
+      <p15:sldGuideLst xmlns:p15="http://schemas.microsoft.com/office/powerpoint/2012/main"/>
+    </p:ext>
     <p:ext uri="http://customooxmlschemas.google.com/">
       <go:slidesCustomData xmlns:go="http://customooxmlschemas.google.com/" xmlns:ahyp="http://schemas.microsoft.com/office/drawing/2018/hyperlinkcolor" xmlns:p15="http://schemas.microsoft.com/office/powerpoint/2012/main" xmlns:p14="http://schemas.microsoft.com/office/powerpoint/2010/main" xmlns:com="http://schemas.openxmlformats.org/drawingml/2006/compatibility" xmlns:pvml="urn:schemas-microsoft-com:office:powerpoint" xmlns:v="urn:schemas-microsoft-com:vml" xmlns:o="urn:schemas-microsoft-com:office:office" xmlns:dgm="http://schemas.openxmlformats.org/drawingml/2006/diagram" xmlns:c="http://schemas.openxmlformats.org/drawingml/2006/chart" xmlns:mv="urn:schemas-microsoft-com:mac:vml" xmlns:mc="http://schemas.openxmlformats.org/markup-compatibility/2006" xmlns="" r:id="rId23" roundtripDataSignature="AMtx7mjP//u1MVM88dFfM0U4xw2YbzO/4A=="/>
     </p:ext>
@@ -768,7 +771,7 @@
               </a:spcAft>
               <a:buNone/>
             </a:pPr>
-            <a:endParaRPr/>
+            <a:endParaRPr dirty="0"/>
           </a:p>
         </p:txBody>
       </p:sp>
@@ -784,8 +787,8 @@
         </p:nvSpPr>
         <p:spPr>
           <a:xfrm>
-            <a:off x="1143225" y="685800"/>
-            <a:ext cx="4572225" cy="3429000"/>
+            <a:off x="381000" y="685800"/>
+            <a:ext cx="6096000" cy="3429000"/>
           </a:xfrm>
           <a:custGeom>
             <a:avLst/>
@@ -850,8 +853,8 @@
         </p:nvSpPr>
         <p:spPr>
           <a:xfrm>
-            <a:off x="1143225" y="685800"/>
-            <a:ext cx="4572300" cy="3429000"/>
+            <a:off x="381000" y="685800"/>
+            <a:ext cx="6096000" cy="3429000"/>
           </a:xfrm>
           <a:custGeom>
             <a:avLst/>
@@ -992,8 +995,8 @@
         </p:nvSpPr>
         <p:spPr>
           <a:xfrm>
-            <a:off x="1143225" y="685800"/>
-            <a:ext cx="4572225" cy="3429000"/>
+            <a:off x="381000" y="685800"/>
+            <a:ext cx="6096000" cy="3429000"/>
           </a:xfrm>
           <a:custGeom>
             <a:avLst/>
@@ -1058,8 +1061,8 @@
         </p:nvSpPr>
         <p:spPr>
           <a:xfrm>
-            <a:off x="1143225" y="685800"/>
-            <a:ext cx="4572300" cy="3429000"/>
+            <a:off x="381000" y="685800"/>
+            <a:ext cx="6096000" cy="3429000"/>
           </a:xfrm>
           <a:custGeom>
             <a:avLst/>
@@ -15189,10 +15192,10 @@
               <a:buNone/>
             </a:pPr>
             <a:r>
-              <a:rPr lang="en-AU"/>
-              <a:t>ETL PROCESS</a:t>
+              <a:rPr lang="en-AU" dirty="0"/>
+              <a:t>AIRLINE TRAFFIC - ETL PROCESS</a:t>
             </a:r>
-            <a:endParaRPr/>
+            <a:endParaRPr dirty="0"/>
           </a:p>
         </p:txBody>
       </p:sp>
@@ -15303,8 +15306,8 @@
         </p:nvSpPr>
         <p:spPr>
           <a:xfrm>
-            <a:off x="2231136" y="964692"/>
-            <a:ext cx="7729800" cy="1188600"/>
+            <a:off x="2231075" y="210094"/>
+            <a:ext cx="7729800" cy="594601"/>
           </a:xfrm>
           <a:prstGeom prst="rect">
             <a:avLst/>
@@ -15312,7 +15315,7 @@
         </p:spPr>
         <p:txBody>
           <a:bodyPr spcFirstLastPara="1" wrap="square" lIns="182875" tIns="182875" rIns="182875" bIns="182875" anchor="ctr" anchorCtr="0">
-            <a:normAutofit/>
+            <a:normAutofit fontScale="90000"/>
           </a:bodyPr>
           <a:lstStyle/>
           <a:p>
@@ -15345,7 +15348,7 @@
         </p:nvSpPr>
         <p:spPr>
           <a:xfrm>
-            <a:off x="2231136" y="2638044"/>
+            <a:off x="2231075" y="1136854"/>
             <a:ext cx="7729800" cy="3102000"/>
           </a:xfrm>
           <a:prstGeom prst="rect">
@@ -15369,10 +15372,10 @@
               <a:buChar char="•"/>
             </a:pPr>
             <a:r>
-              <a:rPr lang="en-AU"/>
+              <a:rPr lang="en-AU" dirty="0"/>
               <a:t>Imported &gt; did a count to find missing values</a:t>
             </a:r>
-            <a:endParaRPr/>
+            <a:endParaRPr dirty="0"/>
           </a:p>
           <a:p>
             <a:pPr marL="457200" lvl="0" indent="-342900" algn="l" rtl="0">
@@ -15386,10 +15389,10 @@
               <a:buChar char="•"/>
             </a:pPr>
             <a:r>
-              <a:rPr lang="en-AU"/>
+              <a:rPr lang="en-AU" dirty="0"/>
               <a:t>Renamed columns to join with data set</a:t>
             </a:r>
-            <a:endParaRPr/>
+            <a:endParaRPr dirty="0"/>
           </a:p>
           <a:p>
             <a:pPr marL="457200" lvl="0" indent="-342900" algn="l" rtl="0">
@@ -15403,10 +15406,10 @@
               <a:buChar char="•"/>
             </a:pPr>
             <a:r>
-              <a:rPr lang="en-AU"/>
+              <a:rPr lang="en-AU" dirty="0"/>
               <a:t>Did unique count based on Airline column</a:t>
             </a:r>
-            <a:endParaRPr/>
+            <a:endParaRPr dirty="0"/>
           </a:p>
           <a:p>
             <a:pPr marL="457200" lvl="0" indent="-342900" algn="l" rtl="0">
@@ -15420,10 +15423,10 @@
               <a:buChar char="•"/>
             </a:pPr>
             <a:r>
-              <a:rPr lang="en-AU"/>
+              <a:rPr lang="en-AU" dirty="0"/>
               <a:t>Dropped duplicate Airlines</a:t>
             </a:r>
-            <a:endParaRPr/>
+            <a:endParaRPr dirty="0"/>
           </a:p>
           <a:p>
             <a:pPr marL="457200" lvl="0" indent="-342900" algn="l" rtl="0">
@@ -15437,10 +15440,10 @@
               <a:buChar char="•"/>
             </a:pPr>
             <a:r>
-              <a:rPr lang="en-AU"/>
+              <a:rPr lang="en-AU" dirty="0"/>
               <a:t>Re-indexed data frame</a:t>
             </a:r>
-            <a:endParaRPr/>
+            <a:endParaRPr dirty="0"/>
           </a:p>
           <a:p>
             <a:pPr marL="457200" lvl="0" indent="-342900" algn="l" rtl="0">
@@ -15454,10 +15457,10 @@
               <a:buChar char="•"/>
             </a:pPr>
             <a:r>
-              <a:rPr lang="en-AU"/>
+              <a:rPr lang="en-AU" dirty="0"/>
               <a:t>Dropped initial index column</a:t>
             </a:r>
-            <a:endParaRPr/>
+            <a:endParaRPr dirty="0"/>
           </a:p>
           <a:p>
             <a:pPr marL="457200" lvl="0" indent="-342900" algn="l" rtl="0">
@@ -15471,18 +15474,130 @@
               <a:buChar char="•"/>
             </a:pPr>
             <a:r>
-              <a:rPr lang="en-AU"/>
+              <a:rPr lang="en-AU" dirty="0"/>
               <a:t>Exported to a csv</a:t>
             </a:r>
-            <a:endParaRPr/>
+            <a:endParaRPr dirty="0"/>
           </a:p>
         </p:txBody>
       </p:sp>
+      <p:pic>
+        <p:nvPicPr>
+          <p:cNvPr id="4" name="Google Shape;119;g113194af065_0_9">
+            <a:extLst>
+              <a:ext uri="{FF2B5EF4-FFF2-40B4-BE49-F238E27FC236}">
+                <a16:creationId xmlns:a16="http://schemas.microsoft.com/office/drawing/2014/main" id="{EBFBE4CD-0D6F-40FE-9D73-F8063E1DAB3F}"/>
+              </a:ext>
+            </a:extLst>
+          </p:cNvPr>
+          <p:cNvPicPr preferRelativeResize="0"/>
+          <p:nvPr/>
+        </p:nvPicPr>
+        <p:blipFill>
+          <a:blip r:embed="rId3">
+            <a:alphaModFix/>
+          </a:blip>
+          <a:stretch>
+            <a:fillRect/>
+          </a:stretch>
+        </p:blipFill>
+        <p:spPr>
+          <a:xfrm>
+            <a:off x="1526070" y="3264214"/>
+            <a:ext cx="9139809" cy="2854300"/>
+          </a:xfrm>
+          <a:prstGeom prst="rect">
+            <a:avLst/>
+          </a:prstGeom>
+          <a:noFill/>
+          <a:ln>
+            <a:noFill/>
+          </a:ln>
+        </p:spPr>
+      </p:pic>
     </p:spTree>
   </p:cSld>
   <p:clrMapOvr>
     <a:masterClrMapping/>
   </p:clrMapOvr>
+  <p:timing>
+    <p:tnLst>
+      <p:par>
+        <p:cTn id="1" dur="indefinite" restart="never" nodeType="tmRoot">
+          <p:childTnLst>
+            <p:seq concurrent="1" nextAc="seek">
+              <p:cTn id="2" dur="indefinite" nodeType="mainSeq">
+                <p:childTnLst>
+                  <p:par>
+                    <p:cTn id="3" fill="hold">
+                      <p:stCondLst>
+                        <p:cond delay="indefinite"/>
+                        <p:cond evt="onBegin" delay="0">
+                          <p:tn val="2"/>
+                        </p:cond>
+                      </p:stCondLst>
+                      <p:childTnLst>
+                        <p:par>
+                          <p:cTn id="4" fill="hold">
+                            <p:stCondLst>
+                              <p:cond delay="0"/>
+                            </p:stCondLst>
+                            <p:childTnLst>
+                              <p:par>
+                                <p:cTn id="5" presetID="1" presetClass="entr" presetSubtype="0" fill="hold" nodeType="withEffect">
+                                  <p:stCondLst>
+                                    <p:cond delay="0"/>
+                                  </p:stCondLst>
+                                  <p:childTnLst>
+                                    <p:set>
+                                      <p:cBhvr>
+                                        <p:cTn id="6" dur="1" fill="hold">
+                                          <p:stCondLst>
+                                            <p:cond delay="0"/>
+                                          </p:stCondLst>
+                                        </p:cTn>
+                                        <p:tgtEl>
+                                          <p:spTgt spid="4"/>
+                                        </p:tgtEl>
+                                        <p:attrNameLst>
+                                          <p:attrName>style.visibility</p:attrName>
+                                        </p:attrNameLst>
+                                      </p:cBhvr>
+                                      <p:to>
+                                        <p:strVal val="visible"/>
+                                      </p:to>
+                                    </p:set>
+                                  </p:childTnLst>
+                                </p:cTn>
+                              </p:par>
+                            </p:childTnLst>
+                          </p:cTn>
+                        </p:par>
+                      </p:childTnLst>
+                    </p:cTn>
+                  </p:par>
+                </p:childTnLst>
+              </p:cTn>
+              <p:prevCondLst>
+                <p:cond evt="onPrev" delay="0">
+                  <p:tgtEl>
+                    <p:sldTgt/>
+                  </p:tgtEl>
+                </p:cond>
+              </p:prevCondLst>
+              <p:nextCondLst>
+                <p:cond evt="onNext" delay="0">
+                  <p:tgtEl>
+                    <p:sldTgt/>
+                  </p:tgtEl>
+                </p:cond>
+              </p:nextCondLst>
+            </p:seq>
+          </p:childTnLst>
+        </p:cTn>
+      </p:par>
+    </p:tnLst>
+  </p:timing>
 </p:sld>
 </file>
 
@@ -15515,7 +15630,7 @@
         </p:nvSpPr>
         <p:spPr>
           <a:xfrm>
-            <a:off x="2231136" y="964692"/>
+            <a:off x="2231136" y="589307"/>
             <a:ext cx="7729728" cy="1188720"/>
           </a:xfrm>
           <a:prstGeom prst="rect">
@@ -15746,44 +15861,6 @@
       </p:grpSpPr>
       <p:sp>
         <p:nvSpPr>
-          <p:cNvPr id="177" name="Google Shape;177;g111d4f5570c_2_2"/>
-          <p:cNvSpPr txBox="1">
-            <a:spLocks noGrp="1"/>
-          </p:cNvSpPr>
-          <p:nvPr>
-            <p:ph type="title"/>
-          </p:nvPr>
-        </p:nvSpPr>
-        <p:spPr>
-          <a:xfrm>
-            <a:off x="2231136" y="964692"/>
-            <a:ext cx="7729800" cy="1188600"/>
-          </a:xfrm>
-          <a:prstGeom prst="rect">
-            <a:avLst/>
-          </a:prstGeom>
-        </p:spPr>
-        <p:txBody>
-          <a:bodyPr spcFirstLastPara="1" wrap="square" lIns="182875" tIns="182875" rIns="182875" bIns="182875" anchor="ctr" anchorCtr="0">
-            <a:normAutofit/>
-          </a:bodyPr>
-          <a:lstStyle/>
-          <a:p>
-            <a:pPr marL="0" lvl="0" indent="0" algn="ctr" rtl="0">
-              <a:spcBef>
-                <a:spcPts val="0"/>
-              </a:spcBef>
-              <a:spcAft>
-                <a:spcPts val="0"/>
-              </a:spcAft>
-              <a:buNone/>
-            </a:pPr>
-            <a:endParaRPr/>
-          </a:p>
-        </p:txBody>
-      </p:sp>
-      <p:sp>
-        <p:nvSpPr>
           <p:cNvPr id="178" name="Google Shape;178;g111d4f5570c_2_2"/>
           <p:cNvSpPr txBox="1">
             <a:spLocks noGrp="1"/>
@@ -15794,7 +15871,7 @@
         </p:nvSpPr>
         <p:spPr>
           <a:xfrm>
-            <a:off x="2231136" y="964692"/>
+            <a:off x="2229075" y="560431"/>
             <a:ext cx="7729800" cy="1188600"/>
           </a:xfrm>
           <a:prstGeom prst="rect">
